--- a/003-mesh/PPT/PIPY Operator and Ingress Controller.pptx
+++ b/003-mesh/PPT/PIPY Operator and Ingress Controller.pptx
@@ -5,10 +5,10 @@
     <p:sldMasterId id="2147483648" r:id="rId1"/>
   </p:sldMasterIdLst>
   <p:notesMasterIdLst>
-    <p:notesMasterId r:id="rId23"/>
+    <p:notesMasterId r:id="rId30"/>
   </p:notesMasterIdLst>
   <p:handoutMasterIdLst>
-    <p:handoutMasterId r:id="rId24"/>
+    <p:handoutMasterId r:id="rId31"/>
   </p:handoutMasterIdLst>
   <p:sldIdLst>
     <p:sldId id="256" r:id="rId2"/>
@@ -30,8 +30,15 @@
     <p:sldId id="300" r:id="rId18"/>
     <p:sldId id="302" r:id="rId19"/>
     <p:sldId id="301" r:id="rId20"/>
-    <p:sldId id="278" r:id="rId21"/>
-    <p:sldId id="277" r:id="rId22"/>
+    <p:sldId id="306" r:id="rId21"/>
+    <p:sldId id="307" r:id="rId22"/>
+    <p:sldId id="303" r:id="rId23"/>
+    <p:sldId id="305" r:id="rId24"/>
+    <p:sldId id="304" r:id="rId25"/>
+    <p:sldId id="308" r:id="rId26"/>
+    <p:sldId id="309" r:id="rId27"/>
+    <p:sldId id="278" r:id="rId28"/>
+    <p:sldId id="277" r:id="rId29"/>
   </p:sldIdLst>
   <p:sldSz cx="12192000" cy="6858000"/>
   <p:notesSz cx="6858000" cy="9144000"/>
@@ -3260,7 +3267,7 @@
           <a:p>
             <a:fld id="{63B03BB1-A76D-CF4B-8417-17F662E96A99}" type="datetimeFigureOut">
               <a:rPr lang="en-CN" smtClean="0"/>
-              <a:t>2021/5/26</a:t>
+              <a:t>2021/5/27</a:t>
             </a:fld>
             <a:endParaRPr lang="en-CN"/>
           </a:p>
@@ -3438,7 +3445,7 @@
           <a:p>
             <a:fld id="{F051F7FE-9375-7E44-8586-8CA92755D96B}" type="datetimeFigureOut">
               <a:rPr lang="en-CN" smtClean="0"/>
-              <a:t>2021/5/26</a:t>
+              <a:t>2021/5/27</a:t>
             </a:fld>
             <a:endParaRPr lang="en-CN"/>
           </a:p>
@@ -4041,7 +4048,7 @@
           <a:p>
             <a:fld id="{73733FE6-40F4-E947-BCA2-F97AC32FEAB6}" type="datetime4">
               <a:rPr lang="en-US" smtClean="0"/>
-              <a:t>May 26, 2021</a:t>
+              <a:t>May 27, 2021</a:t>
             </a:fld>
             <a:endParaRPr lang="en-US" dirty="0"/>
           </a:p>
@@ -4296,7 +4303,7 @@
           <a:p>
             <a:fld id="{A4111BCD-B5A0-A043-94D2-5DF769F0B251}" type="datetime4">
               <a:rPr lang="en-US" smtClean="0"/>
-              <a:t>May 26, 2021</a:t>
+              <a:t>May 27, 2021</a:t>
             </a:fld>
             <a:endParaRPr lang="en-US" dirty="0"/>
           </a:p>
@@ -5223,7 +5230,7 @@
           <a:p>
             <a:fld id="{089A90A0-D912-604A-BBA4-CF3612317DE6}" type="datetime4">
               <a:rPr lang="en-US" smtClean="0"/>
-              <a:t>May 26, 2021</a:t>
+              <a:t>May 27, 2021</a:t>
             </a:fld>
             <a:endParaRPr lang="en-US" dirty="0"/>
           </a:p>
@@ -11184,6 +11191,1130 @@
           <a:chExt cx="0" cy="0"/>
         </a:xfrm>
       </p:grpSpPr>
+      <p:sp>
+        <p:nvSpPr>
+          <p:cNvPr id="2" name="Footer Placeholder 1">
+            <a:extLst>
+              <a:ext uri="{FF2B5EF4-FFF2-40B4-BE49-F238E27FC236}">
+                <a16:creationId xmlns:a16="http://schemas.microsoft.com/office/drawing/2014/main" id="{F5B861BA-D95D-B34E-AC53-29AC24F8DB72}"/>
+              </a:ext>
+            </a:extLst>
+          </p:cNvPr>
+          <p:cNvSpPr>
+            <a:spLocks noGrp="1"/>
+          </p:cNvSpPr>
+          <p:nvPr>
+            <p:ph type="ftr" sz="quarter" idx="11"/>
+          </p:nvPr>
+        </p:nvSpPr>
+        <p:spPr/>
+        <p:txBody>
+          <a:bodyPr/>
+          <a:lstStyle/>
+          <a:p>
+            <a:r>
+              <a:rPr lang="en-US"/>
+              <a:t>Flomesh © All Rights Reserved.</a:t>
+            </a:r>
+            <a:endParaRPr lang="en-US" dirty="0"/>
+          </a:p>
+        </p:txBody>
+      </p:sp>
+      <p:sp>
+        <p:nvSpPr>
+          <p:cNvPr id="3" name="Title 2">
+            <a:extLst>
+              <a:ext uri="{FF2B5EF4-FFF2-40B4-BE49-F238E27FC236}">
+                <a16:creationId xmlns:a16="http://schemas.microsoft.com/office/drawing/2014/main" id="{E0CAE24C-500A-0543-9D0E-E22AFEA97B47}"/>
+              </a:ext>
+            </a:extLst>
+          </p:cNvPr>
+          <p:cNvSpPr>
+            <a:spLocks noGrp="1"/>
+          </p:cNvSpPr>
+          <p:nvPr>
+            <p:ph type="title"/>
+          </p:nvPr>
+        </p:nvSpPr>
+        <p:spPr/>
+        <p:txBody>
+          <a:bodyPr/>
+          <a:lstStyle/>
+          <a:p>
+            <a:r>
+              <a:rPr lang="en-CN" dirty="0"/>
+              <a:t>Check out source code</a:t>
+            </a:r>
+          </a:p>
+        </p:txBody>
+      </p:sp>
+      <p:sp>
+        <p:nvSpPr>
+          <p:cNvPr id="4" name="TextBox 3">
+            <a:extLst>
+              <a:ext uri="{FF2B5EF4-FFF2-40B4-BE49-F238E27FC236}">
+                <a16:creationId xmlns:a16="http://schemas.microsoft.com/office/drawing/2014/main" id="{B565D4D3-FB4A-F14C-9D65-FFE945511010}"/>
+              </a:ext>
+            </a:extLst>
+          </p:cNvPr>
+          <p:cNvSpPr txBox="1"/>
+          <p:nvPr/>
+        </p:nvSpPr>
+        <p:spPr>
+          <a:xfrm>
+            <a:off x="582705" y="1990165"/>
+            <a:ext cx="6954148" cy="369332"/>
+          </a:xfrm>
+          <a:prstGeom prst="rect">
+            <a:avLst/>
+          </a:prstGeom>
+          <a:noFill/>
+        </p:spPr>
+        <p:txBody>
+          <a:bodyPr wrap="none" rtlCol="0">
+            <a:spAutoFit/>
+          </a:bodyPr>
+          <a:lstStyle/>
+          <a:p>
+            <a:r>
+              <a:rPr lang="en-US" dirty="0"/>
+              <a:t>git clone https://</a:t>
+            </a:r>
+            <a:r>
+              <a:rPr lang="en-US" dirty="0" err="1"/>
+              <a:t>github.com</a:t>
+            </a:r>
+            <a:r>
+              <a:rPr lang="en-US" dirty="0"/>
+              <a:t>/</a:t>
+            </a:r>
+            <a:r>
+              <a:rPr lang="en-US" dirty="0" err="1"/>
+              <a:t>flomesh</a:t>
+            </a:r>
+            <a:r>
+              <a:rPr lang="en-US" dirty="0"/>
+              <a:t>-io/training-</a:t>
+            </a:r>
+            <a:r>
+              <a:rPr lang="en-US" dirty="0" err="1"/>
+              <a:t>materials.git</a:t>
+            </a:r>
+            <a:endParaRPr lang="en-CN" dirty="0"/>
+          </a:p>
+        </p:txBody>
+      </p:sp>
+    </p:spTree>
+    <p:extLst>
+      <p:ext uri="{BB962C8B-B14F-4D97-AF65-F5344CB8AC3E}">
+        <p14:creationId xmlns:p14="http://schemas.microsoft.com/office/powerpoint/2010/main" val="3208099602"/>
+      </p:ext>
+    </p:extLst>
+  </p:cSld>
+  <p:clrMapOvr>
+    <a:masterClrMapping/>
+  </p:clrMapOvr>
+</p:sld>
+</file>
+
+<file path=ppt/slides/slide21.xml><?xml version="1.0" encoding="utf-8"?>
+<p:sld xmlns:a="http://schemas.openxmlformats.org/drawingml/2006/main" xmlns:r="http://schemas.openxmlformats.org/officeDocument/2006/relationships" xmlns:p="http://schemas.openxmlformats.org/presentationml/2006/main">
+  <p:cSld>
+    <p:spTree>
+      <p:nvGrpSpPr>
+        <p:cNvPr id="1" name=""/>
+        <p:cNvGrpSpPr/>
+        <p:nvPr/>
+      </p:nvGrpSpPr>
+      <p:grpSpPr>
+        <a:xfrm>
+          <a:off x="0" y="0"/>
+          <a:ext cx="0" cy="0"/>
+          <a:chOff x="0" y="0"/>
+          <a:chExt cx="0" cy="0"/>
+        </a:xfrm>
+      </p:grpSpPr>
+      <p:sp>
+        <p:nvSpPr>
+          <p:cNvPr id="2" name="Footer Placeholder 1">
+            <a:extLst>
+              <a:ext uri="{FF2B5EF4-FFF2-40B4-BE49-F238E27FC236}">
+                <a16:creationId xmlns:a16="http://schemas.microsoft.com/office/drawing/2014/main" id="{3CD399B5-9F09-F743-9AEB-393698620EFF}"/>
+              </a:ext>
+            </a:extLst>
+          </p:cNvPr>
+          <p:cNvSpPr>
+            <a:spLocks noGrp="1"/>
+          </p:cNvSpPr>
+          <p:nvPr>
+            <p:ph type="ftr" sz="quarter" idx="11"/>
+          </p:nvPr>
+        </p:nvSpPr>
+        <p:spPr/>
+        <p:txBody>
+          <a:bodyPr/>
+          <a:lstStyle/>
+          <a:p>
+            <a:r>
+              <a:rPr lang="en-US"/>
+              <a:t>Flomesh © All Rights Reserved.</a:t>
+            </a:r>
+            <a:endParaRPr lang="en-US" dirty="0"/>
+          </a:p>
+        </p:txBody>
+      </p:sp>
+      <p:sp>
+        <p:nvSpPr>
+          <p:cNvPr id="3" name="Title 2">
+            <a:extLst>
+              <a:ext uri="{FF2B5EF4-FFF2-40B4-BE49-F238E27FC236}">
+                <a16:creationId xmlns:a16="http://schemas.microsoft.com/office/drawing/2014/main" id="{4EECC9E0-543A-9844-9E81-8898292319E9}"/>
+              </a:ext>
+            </a:extLst>
+          </p:cNvPr>
+          <p:cNvSpPr>
+            <a:spLocks noGrp="1"/>
+          </p:cNvSpPr>
+          <p:nvPr>
+            <p:ph type="title"/>
+          </p:nvPr>
+        </p:nvSpPr>
+        <p:spPr/>
+        <p:txBody>
+          <a:bodyPr/>
+          <a:lstStyle/>
+          <a:p>
+            <a:r>
+              <a:rPr lang="en-CN" dirty="0"/>
+              <a:t>Edit clickhouse.yaml</a:t>
+            </a:r>
+          </a:p>
+        </p:txBody>
+      </p:sp>
+      <p:sp>
+        <p:nvSpPr>
+          <p:cNvPr id="4" name="TextBox 3">
+            <a:extLst>
+              <a:ext uri="{FF2B5EF4-FFF2-40B4-BE49-F238E27FC236}">
+                <a16:creationId xmlns:a16="http://schemas.microsoft.com/office/drawing/2014/main" id="{552ABB82-9CA9-CB43-9161-312A45C51706}"/>
+              </a:ext>
+            </a:extLst>
+          </p:cNvPr>
+          <p:cNvSpPr txBox="1"/>
+          <p:nvPr/>
+        </p:nvSpPr>
+        <p:spPr>
+          <a:xfrm>
+            <a:off x="1559535" y="1398494"/>
+            <a:ext cx="3270447" cy="4247317"/>
+          </a:xfrm>
+          <a:prstGeom prst="rect">
+            <a:avLst/>
+          </a:prstGeom>
+          <a:noFill/>
+        </p:spPr>
+        <p:txBody>
+          <a:bodyPr wrap="none" rtlCol="0">
+            <a:spAutoFit/>
+          </a:bodyPr>
+          <a:lstStyle/>
+          <a:p>
+            <a:r>
+              <a:rPr lang="en-US" dirty="0" err="1"/>
+              <a:t>apiVersion</a:t>
+            </a:r>
+            <a:r>
+              <a:rPr lang="en-US" dirty="0"/>
+              <a:t>: v1</a:t>
+            </a:r>
+          </a:p>
+          <a:p>
+            <a:r>
+              <a:rPr lang="en-US" dirty="0"/>
+              <a:t>kind: Endpoints</a:t>
+            </a:r>
+          </a:p>
+          <a:p>
+            <a:r>
+              <a:rPr lang="en-US" dirty="0"/>
+              <a:t>metadata:</a:t>
+            </a:r>
+          </a:p>
+          <a:p>
+            <a:r>
+              <a:rPr lang="en-US" dirty="0"/>
+              <a:t>  name: samples-</a:t>
+            </a:r>
+            <a:r>
+              <a:rPr lang="en-US" dirty="0" err="1"/>
+              <a:t>clickhouse</a:t>
+            </a:r>
+            <a:endParaRPr lang="en-US" dirty="0"/>
+          </a:p>
+          <a:p>
+            <a:r>
+              <a:rPr lang="en-US" dirty="0"/>
+              <a:t>  labels:</a:t>
+            </a:r>
+          </a:p>
+          <a:p>
+            <a:r>
+              <a:rPr lang="en-US" dirty="0"/>
+              <a:t>    app: </a:t>
+            </a:r>
+            <a:r>
+              <a:rPr lang="en-US" dirty="0" err="1"/>
+              <a:t>clickhouse</a:t>
+            </a:r>
+            <a:endParaRPr lang="en-US" dirty="0"/>
+          </a:p>
+          <a:p>
+            <a:r>
+              <a:rPr lang="en-US" dirty="0"/>
+              <a:t>    service: </a:t>
+            </a:r>
+            <a:r>
+              <a:rPr lang="en-US" dirty="0" err="1"/>
+              <a:t>clickhouse</a:t>
+            </a:r>
+            <a:endParaRPr lang="en-US" dirty="0"/>
+          </a:p>
+          <a:p>
+            <a:r>
+              <a:rPr lang="en-US" dirty="0"/>
+              <a:t>subsets:</a:t>
+            </a:r>
+          </a:p>
+          <a:p>
+            <a:r>
+              <a:rPr lang="en-US" dirty="0"/>
+              <a:t>  - addresses:</a:t>
+            </a:r>
+          </a:p>
+          <a:p>
+            <a:r>
+              <a:rPr lang="en-US" dirty="0"/>
+              <a:t>    - </a:t>
+            </a:r>
+            <a:r>
+              <a:rPr lang="en-US" dirty="0" err="1"/>
+              <a:t>ip</a:t>
+            </a:r>
+            <a:r>
+              <a:rPr lang="en-US" dirty="0"/>
+              <a:t>: </a:t>
+            </a:r>
+            <a:r>
+              <a:rPr lang="en-US" b="1" dirty="0">
+                <a:solidFill>
+                  <a:srgbClr val="FF0000"/>
+                </a:solidFill>
+              </a:rPr>
+              <a:t>172.19.182.213</a:t>
+            </a:r>
+          </a:p>
+          <a:p>
+            <a:r>
+              <a:rPr lang="en-US" dirty="0"/>
+              <a:t>    ports:</a:t>
+            </a:r>
+          </a:p>
+          <a:p>
+            <a:r>
+              <a:rPr lang="en-US" dirty="0"/>
+              <a:t>    - name: </a:t>
+            </a:r>
+            <a:r>
+              <a:rPr lang="en-US" dirty="0" err="1"/>
+              <a:t>chdb</a:t>
+            </a:r>
+            <a:endParaRPr lang="en-US" dirty="0"/>
+          </a:p>
+          <a:p>
+            <a:r>
+              <a:rPr lang="en-US" dirty="0"/>
+              <a:t>      port: 8123</a:t>
+            </a:r>
+          </a:p>
+          <a:p>
+            <a:r>
+              <a:rPr lang="en-US" dirty="0"/>
+              <a:t>      protocol: TCP</a:t>
+            </a:r>
+          </a:p>
+          <a:p>
+            <a:endParaRPr lang="en-CN" dirty="0"/>
+          </a:p>
+        </p:txBody>
+      </p:sp>
+    </p:spTree>
+    <p:extLst>
+      <p:ext uri="{BB962C8B-B14F-4D97-AF65-F5344CB8AC3E}">
+        <p14:creationId xmlns:p14="http://schemas.microsoft.com/office/powerpoint/2010/main" val="2756010801"/>
+      </p:ext>
+    </p:extLst>
+  </p:cSld>
+  <p:clrMapOvr>
+    <a:masterClrMapping/>
+  </p:clrMapOvr>
+</p:sld>
+</file>
+
+<file path=ppt/slides/slide22.xml><?xml version="1.0" encoding="utf-8"?>
+<p:sld xmlns:a="http://schemas.openxmlformats.org/drawingml/2006/main" xmlns:r="http://schemas.openxmlformats.org/officeDocument/2006/relationships" xmlns:p="http://schemas.openxmlformats.org/presentationml/2006/main">
+  <p:cSld>
+    <p:spTree>
+      <p:nvGrpSpPr>
+        <p:cNvPr id="1" name=""/>
+        <p:cNvGrpSpPr/>
+        <p:nvPr/>
+      </p:nvGrpSpPr>
+      <p:grpSpPr>
+        <a:xfrm>
+          <a:off x="0" y="0"/>
+          <a:ext cx="0" cy="0"/>
+          <a:chOff x="0" y="0"/>
+          <a:chExt cx="0" cy="0"/>
+        </a:xfrm>
+      </p:grpSpPr>
+      <p:sp>
+        <p:nvSpPr>
+          <p:cNvPr id="2" name="Footer Placeholder 1">
+            <a:extLst>
+              <a:ext uri="{FF2B5EF4-FFF2-40B4-BE49-F238E27FC236}">
+                <a16:creationId xmlns:a16="http://schemas.microsoft.com/office/drawing/2014/main" id="{A14C0F0D-DD83-AF4F-87CC-CF4749F5E221}"/>
+              </a:ext>
+            </a:extLst>
+          </p:cNvPr>
+          <p:cNvSpPr>
+            <a:spLocks noGrp="1"/>
+          </p:cNvSpPr>
+          <p:nvPr>
+            <p:ph type="ftr" sz="quarter" idx="11"/>
+          </p:nvPr>
+        </p:nvSpPr>
+        <p:spPr/>
+        <p:txBody>
+          <a:bodyPr/>
+          <a:lstStyle/>
+          <a:p>
+            <a:r>
+              <a:rPr lang="en-US"/>
+              <a:t>Flomesh © All Rights Reserved.</a:t>
+            </a:r>
+            <a:endParaRPr lang="en-US" dirty="0"/>
+          </a:p>
+        </p:txBody>
+      </p:sp>
+      <p:sp>
+        <p:nvSpPr>
+          <p:cNvPr id="3" name="Title 2">
+            <a:extLst>
+              <a:ext uri="{FF2B5EF4-FFF2-40B4-BE49-F238E27FC236}">
+                <a16:creationId xmlns:a16="http://schemas.microsoft.com/office/drawing/2014/main" id="{BCA27DAF-2815-ED48-9502-EA8E086D7949}"/>
+              </a:ext>
+            </a:extLst>
+          </p:cNvPr>
+          <p:cNvSpPr>
+            <a:spLocks noGrp="1"/>
+          </p:cNvSpPr>
+          <p:nvPr>
+            <p:ph type="title"/>
+          </p:nvPr>
+        </p:nvSpPr>
+        <p:spPr/>
+        <p:txBody>
+          <a:bodyPr/>
+          <a:lstStyle/>
+          <a:p>
+            <a:r>
+              <a:rPr lang="en-CN" dirty="0"/>
+              <a:t>Test Rating service</a:t>
+            </a:r>
+          </a:p>
+        </p:txBody>
+      </p:sp>
+      <p:sp>
+        <p:nvSpPr>
+          <p:cNvPr id="4" name="TextBox 3">
+            <a:extLst>
+              <a:ext uri="{FF2B5EF4-FFF2-40B4-BE49-F238E27FC236}">
+                <a16:creationId xmlns:a16="http://schemas.microsoft.com/office/drawing/2014/main" id="{10A5777D-A527-6C44-9ADD-82EB016662A0}"/>
+              </a:ext>
+            </a:extLst>
+          </p:cNvPr>
+          <p:cNvSpPr txBox="1"/>
+          <p:nvPr/>
+        </p:nvSpPr>
+        <p:spPr>
+          <a:xfrm>
+            <a:off x="618565" y="1918447"/>
+            <a:ext cx="10623176" cy="1200329"/>
+          </a:xfrm>
+          <a:prstGeom prst="rect">
+            <a:avLst/>
+          </a:prstGeom>
+          <a:noFill/>
+        </p:spPr>
+        <p:txBody>
+          <a:bodyPr wrap="square" rtlCol="0">
+            <a:spAutoFit/>
+          </a:bodyPr>
+          <a:lstStyle/>
+          <a:p>
+            <a:r>
+              <a:rPr lang="en-US" dirty="0"/>
+              <a:t>curl -X POST http://10.0.2.15/</a:t>
+            </a:r>
+            <a:r>
+              <a:rPr lang="en-US" dirty="0" err="1"/>
+              <a:t>bookinfo</a:t>
+            </a:r>
+            <a:r>
+              <a:rPr lang="en-US" dirty="0"/>
+              <a:t>-ratings/ratings \</a:t>
+            </a:r>
+          </a:p>
+          <a:p>
+            <a:r>
+              <a:rPr lang="en-US" dirty="0"/>
+              <a:t>	-H "Content-Type: application/json" \</a:t>
+            </a:r>
+          </a:p>
+          <a:p>
+            <a:r>
+              <a:rPr lang="en-US" dirty="0"/>
+              <a:t>	-d '{"reviewerId":"9bc908be-0717-4eab-bb51-ea14f669ef20","productId":"a071c269-369c-4f79-be03-6a41f27d6b5f","rating":3}' </a:t>
+            </a:r>
+          </a:p>
+        </p:txBody>
+      </p:sp>
+      <p:sp>
+        <p:nvSpPr>
+          <p:cNvPr id="5" name="TextBox 4">
+            <a:extLst>
+              <a:ext uri="{FF2B5EF4-FFF2-40B4-BE49-F238E27FC236}">
+                <a16:creationId xmlns:a16="http://schemas.microsoft.com/office/drawing/2014/main" id="{74F0BC3A-6BE5-CC44-BA78-6CDA930ED397}"/>
+              </a:ext>
+            </a:extLst>
+          </p:cNvPr>
+          <p:cNvSpPr txBox="1"/>
+          <p:nvPr/>
+        </p:nvSpPr>
+        <p:spPr>
+          <a:xfrm>
+            <a:off x="618565" y="4293480"/>
+            <a:ext cx="9629559" cy="369332"/>
+          </a:xfrm>
+          <a:prstGeom prst="rect">
+            <a:avLst/>
+          </a:prstGeom>
+          <a:noFill/>
+        </p:spPr>
+        <p:txBody>
+          <a:bodyPr wrap="none" rtlCol="0">
+            <a:spAutoFit/>
+          </a:bodyPr>
+          <a:lstStyle/>
+          <a:p>
+            <a:r>
+              <a:rPr lang="en-US" dirty="0"/>
+              <a:t>curl http://10.0.2.15/</a:t>
+            </a:r>
+            <a:r>
+              <a:rPr lang="en-US" dirty="0" err="1"/>
+              <a:t>bookinfo</a:t>
+            </a:r>
+            <a:r>
+              <a:rPr lang="en-US" dirty="0"/>
+              <a:t>-ratings/ratings/a071c269-369c-4f79-be03-6a41f27d6b5f</a:t>
+            </a:r>
+            <a:endParaRPr lang="en-CN" dirty="0"/>
+          </a:p>
+        </p:txBody>
+      </p:sp>
+    </p:spTree>
+    <p:extLst>
+      <p:ext uri="{BB962C8B-B14F-4D97-AF65-F5344CB8AC3E}">
+        <p14:creationId xmlns:p14="http://schemas.microsoft.com/office/powerpoint/2010/main" val="613287306"/>
+      </p:ext>
+    </p:extLst>
+  </p:cSld>
+  <p:clrMapOvr>
+    <a:masterClrMapping/>
+  </p:clrMapOvr>
+</p:sld>
+</file>
+
+<file path=ppt/slides/slide23.xml><?xml version="1.0" encoding="utf-8"?>
+<p:sld xmlns:a="http://schemas.openxmlformats.org/drawingml/2006/main" xmlns:r="http://schemas.openxmlformats.org/officeDocument/2006/relationships" xmlns:p="http://schemas.openxmlformats.org/presentationml/2006/main">
+  <p:cSld>
+    <p:spTree>
+      <p:nvGrpSpPr>
+        <p:cNvPr id="1" name=""/>
+        <p:cNvGrpSpPr/>
+        <p:nvPr/>
+      </p:nvGrpSpPr>
+      <p:grpSpPr>
+        <a:xfrm>
+          <a:off x="0" y="0"/>
+          <a:ext cx="0" cy="0"/>
+          <a:chOff x="0" y="0"/>
+          <a:chExt cx="0" cy="0"/>
+        </a:xfrm>
+      </p:grpSpPr>
+      <p:sp>
+        <p:nvSpPr>
+          <p:cNvPr id="2" name="Footer Placeholder 1">
+            <a:extLst>
+              <a:ext uri="{FF2B5EF4-FFF2-40B4-BE49-F238E27FC236}">
+                <a16:creationId xmlns:a16="http://schemas.microsoft.com/office/drawing/2014/main" id="{2BD465D5-1D90-324A-945F-5224C16DD480}"/>
+              </a:ext>
+            </a:extLst>
+          </p:cNvPr>
+          <p:cNvSpPr>
+            <a:spLocks noGrp="1"/>
+          </p:cNvSpPr>
+          <p:nvPr>
+            <p:ph type="ftr" sz="quarter" idx="11"/>
+          </p:nvPr>
+        </p:nvSpPr>
+        <p:spPr/>
+        <p:txBody>
+          <a:bodyPr/>
+          <a:lstStyle/>
+          <a:p>
+            <a:r>
+              <a:rPr lang="en-US"/>
+              <a:t>Flomesh © All Rights Reserved.</a:t>
+            </a:r>
+            <a:endParaRPr lang="en-US" dirty="0"/>
+          </a:p>
+        </p:txBody>
+      </p:sp>
+      <p:sp>
+        <p:nvSpPr>
+          <p:cNvPr id="3" name="Title 2">
+            <a:extLst>
+              <a:ext uri="{FF2B5EF4-FFF2-40B4-BE49-F238E27FC236}">
+                <a16:creationId xmlns:a16="http://schemas.microsoft.com/office/drawing/2014/main" id="{564C6C66-976B-AC4B-ACA4-5A5123F03049}"/>
+              </a:ext>
+            </a:extLst>
+          </p:cNvPr>
+          <p:cNvSpPr>
+            <a:spLocks noGrp="1"/>
+          </p:cNvSpPr>
+          <p:nvPr>
+            <p:ph type="title"/>
+          </p:nvPr>
+        </p:nvSpPr>
+        <p:spPr/>
+        <p:txBody>
+          <a:bodyPr/>
+          <a:lstStyle/>
+          <a:p>
+            <a:r>
+              <a:rPr lang="en-CN" dirty="0"/>
+              <a:t>Test Review service</a:t>
+            </a:r>
+          </a:p>
+        </p:txBody>
+      </p:sp>
+      <p:sp>
+        <p:nvSpPr>
+          <p:cNvPr id="4" name="TextBox 3">
+            <a:extLst>
+              <a:ext uri="{FF2B5EF4-FFF2-40B4-BE49-F238E27FC236}">
+                <a16:creationId xmlns:a16="http://schemas.microsoft.com/office/drawing/2014/main" id="{C9F5F15C-DC7A-F849-B3C0-4B265838E6E2}"/>
+              </a:ext>
+            </a:extLst>
+          </p:cNvPr>
+          <p:cNvSpPr txBox="1"/>
+          <p:nvPr/>
+        </p:nvSpPr>
+        <p:spPr>
+          <a:xfrm>
+            <a:off x="519953" y="1905788"/>
+            <a:ext cx="10963835" cy="1477328"/>
+          </a:xfrm>
+          <a:prstGeom prst="rect">
+            <a:avLst/>
+          </a:prstGeom>
+          <a:noFill/>
+        </p:spPr>
+        <p:txBody>
+          <a:bodyPr wrap="square" rtlCol="0">
+            <a:spAutoFit/>
+          </a:bodyPr>
+          <a:lstStyle/>
+          <a:p>
+            <a:r>
+              <a:rPr lang="en-US" dirty="0"/>
+              <a:t>curl -X POST http://10.0.2.15/</a:t>
+            </a:r>
+            <a:r>
+              <a:rPr lang="en-US" dirty="0" err="1"/>
+              <a:t>bookinfo</a:t>
+            </a:r>
+            <a:r>
+              <a:rPr lang="en-US" dirty="0"/>
+              <a:t>-reviews/reviews \</a:t>
+            </a:r>
+          </a:p>
+          <a:p>
+            <a:r>
+              <a:rPr lang="en-US" dirty="0"/>
+              <a:t>	-H "Content-Type: application/json" \</a:t>
+            </a:r>
+          </a:p>
+          <a:p>
+            <a:r>
+              <a:rPr lang="en-US" dirty="0"/>
+              <a:t>	-d '{"reviewerId":"9bc908be-0717-4eab-bb51-ea14f669ef20","productId":"a071c269-369c-4f79-be03-6a41f27d6b5f","review":"This was OK.","rating":3}'</a:t>
+            </a:r>
+          </a:p>
+          <a:p>
+            <a:endParaRPr lang="en-CN" dirty="0"/>
+          </a:p>
+        </p:txBody>
+      </p:sp>
+      <p:sp>
+        <p:nvSpPr>
+          <p:cNvPr id="5" name="TextBox 4">
+            <a:extLst>
+              <a:ext uri="{FF2B5EF4-FFF2-40B4-BE49-F238E27FC236}">
+                <a16:creationId xmlns:a16="http://schemas.microsoft.com/office/drawing/2014/main" id="{72A1F388-3E4B-574A-8586-ADD7E9A8A870}"/>
+              </a:ext>
+            </a:extLst>
+          </p:cNvPr>
+          <p:cNvSpPr txBox="1"/>
+          <p:nvPr/>
+        </p:nvSpPr>
+        <p:spPr>
+          <a:xfrm>
+            <a:off x="519953" y="4392052"/>
+            <a:ext cx="9809096" cy="369332"/>
+          </a:xfrm>
+          <a:prstGeom prst="rect">
+            <a:avLst/>
+          </a:prstGeom>
+          <a:noFill/>
+        </p:spPr>
+        <p:txBody>
+          <a:bodyPr wrap="none" rtlCol="0">
+            <a:spAutoFit/>
+          </a:bodyPr>
+          <a:lstStyle/>
+          <a:p>
+            <a:r>
+              <a:rPr lang="en-US" dirty="0"/>
+              <a:t>curl http://10.0.2.15/</a:t>
+            </a:r>
+            <a:r>
+              <a:rPr lang="en-US" dirty="0" err="1"/>
+              <a:t>bookinfo</a:t>
+            </a:r>
+            <a:r>
+              <a:rPr lang="en-US" dirty="0"/>
+              <a:t>-reviews/reviews/a071c269-369c-4f79-be03-6a41f27d6b5f</a:t>
+            </a:r>
+          </a:p>
+        </p:txBody>
+      </p:sp>
+    </p:spTree>
+    <p:extLst>
+      <p:ext uri="{BB962C8B-B14F-4D97-AF65-F5344CB8AC3E}">
+        <p14:creationId xmlns:p14="http://schemas.microsoft.com/office/powerpoint/2010/main" val="2831180757"/>
+      </p:ext>
+    </p:extLst>
+  </p:cSld>
+  <p:clrMapOvr>
+    <a:masterClrMapping/>
+  </p:clrMapOvr>
+</p:sld>
+</file>
+
+<file path=ppt/slides/slide24.xml><?xml version="1.0" encoding="utf-8"?>
+<p:sld xmlns:a="http://schemas.openxmlformats.org/drawingml/2006/main" xmlns:r="http://schemas.openxmlformats.org/officeDocument/2006/relationships" xmlns:p="http://schemas.openxmlformats.org/presentationml/2006/main">
+  <p:cSld>
+    <p:spTree>
+      <p:nvGrpSpPr>
+        <p:cNvPr id="1" name=""/>
+        <p:cNvGrpSpPr/>
+        <p:nvPr/>
+      </p:nvGrpSpPr>
+      <p:grpSpPr>
+        <a:xfrm>
+          <a:off x="0" y="0"/>
+          <a:ext cx="0" cy="0"/>
+          <a:chOff x="0" y="0"/>
+          <a:chExt cx="0" cy="0"/>
+        </a:xfrm>
+      </p:grpSpPr>
+      <p:sp>
+        <p:nvSpPr>
+          <p:cNvPr id="2" name="Footer Placeholder 1">
+            <a:extLst>
+              <a:ext uri="{FF2B5EF4-FFF2-40B4-BE49-F238E27FC236}">
+                <a16:creationId xmlns:a16="http://schemas.microsoft.com/office/drawing/2014/main" id="{50C10FA2-C87E-A643-8E00-17370B8CB636}"/>
+              </a:ext>
+            </a:extLst>
+          </p:cNvPr>
+          <p:cNvSpPr>
+            <a:spLocks noGrp="1"/>
+          </p:cNvSpPr>
+          <p:nvPr>
+            <p:ph type="ftr" sz="quarter" idx="11"/>
+          </p:nvPr>
+        </p:nvSpPr>
+        <p:spPr/>
+        <p:txBody>
+          <a:bodyPr/>
+          <a:lstStyle/>
+          <a:p>
+            <a:r>
+              <a:rPr lang="en-US"/>
+              <a:t>Flomesh © All Rights Reserved.</a:t>
+            </a:r>
+            <a:endParaRPr lang="en-US" dirty="0"/>
+          </a:p>
+        </p:txBody>
+      </p:sp>
+      <p:sp>
+        <p:nvSpPr>
+          <p:cNvPr id="3" name="Title 2">
+            <a:extLst>
+              <a:ext uri="{FF2B5EF4-FFF2-40B4-BE49-F238E27FC236}">
+                <a16:creationId xmlns:a16="http://schemas.microsoft.com/office/drawing/2014/main" id="{B0E369E8-05A8-B642-BFB9-82E19AE2FB2B}"/>
+              </a:ext>
+            </a:extLst>
+          </p:cNvPr>
+          <p:cNvSpPr>
+            <a:spLocks noGrp="1"/>
+          </p:cNvSpPr>
+          <p:nvPr>
+            <p:ph type="title"/>
+          </p:nvPr>
+        </p:nvSpPr>
+        <p:spPr/>
+        <p:txBody>
+          <a:bodyPr/>
+          <a:lstStyle/>
+          <a:p>
+            <a:r>
+              <a:rPr lang="en-CN" dirty="0"/>
+              <a:t>Test Detail service</a:t>
+            </a:r>
+          </a:p>
+        </p:txBody>
+      </p:sp>
+      <p:sp>
+        <p:nvSpPr>
+          <p:cNvPr id="4" name="TextBox 3">
+            <a:extLst>
+              <a:ext uri="{FF2B5EF4-FFF2-40B4-BE49-F238E27FC236}">
+                <a16:creationId xmlns:a16="http://schemas.microsoft.com/office/drawing/2014/main" id="{52124428-3205-374A-8BB6-F51FE548C27E}"/>
+              </a:ext>
+            </a:extLst>
+          </p:cNvPr>
+          <p:cNvSpPr txBox="1"/>
+          <p:nvPr/>
+        </p:nvSpPr>
+        <p:spPr>
+          <a:xfrm>
+            <a:off x="449276" y="1775011"/>
+            <a:ext cx="6439583" cy="369332"/>
+          </a:xfrm>
+          <a:prstGeom prst="rect">
+            <a:avLst/>
+          </a:prstGeom>
+          <a:noFill/>
+        </p:spPr>
+        <p:txBody>
+          <a:bodyPr wrap="none" rtlCol="0">
+            <a:spAutoFit/>
+          </a:bodyPr>
+          <a:lstStyle/>
+          <a:p>
+            <a:r>
+              <a:rPr lang="en-US" dirty="0"/>
+              <a:t>curl http://10.0.2.15/</a:t>
+            </a:r>
+            <a:r>
+              <a:rPr lang="en-US" dirty="0" err="1"/>
+              <a:t>bookinfo</a:t>
+            </a:r>
+            <a:r>
+              <a:rPr lang="en-US" dirty="0"/>
+              <a:t>-details/details/1234567890</a:t>
+            </a:r>
+          </a:p>
+        </p:txBody>
+      </p:sp>
+    </p:spTree>
+    <p:extLst>
+      <p:ext uri="{BB962C8B-B14F-4D97-AF65-F5344CB8AC3E}">
+        <p14:creationId xmlns:p14="http://schemas.microsoft.com/office/powerpoint/2010/main" val="1733927167"/>
+      </p:ext>
+    </p:extLst>
+  </p:cSld>
+  <p:clrMapOvr>
+    <a:masterClrMapping/>
+  </p:clrMapOvr>
+</p:sld>
+</file>
+
+<file path=ppt/slides/slide25.xml><?xml version="1.0" encoding="utf-8"?>
+<p:sld xmlns:a="http://schemas.openxmlformats.org/drawingml/2006/main" xmlns:r="http://schemas.openxmlformats.org/officeDocument/2006/relationships" xmlns:p="http://schemas.openxmlformats.org/presentationml/2006/main">
+  <p:cSld>
+    <p:spTree>
+      <p:nvGrpSpPr>
+        <p:cNvPr id="1" name=""/>
+        <p:cNvGrpSpPr/>
+        <p:nvPr/>
+      </p:nvGrpSpPr>
+      <p:grpSpPr>
+        <a:xfrm>
+          <a:off x="0" y="0"/>
+          <a:ext cx="0" cy="0"/>
+          <a:chOff x="0" y="0"/>
+          <a:chExt cx="0" cy="0"/>
+        </a:xfrm>
+      </p:grpSpPr>
+      <p:sp>
+        <p:nvSpPr>
+          <p:cNvPr id="2" name="Footer Placeholder 1">
+            <a:extLst>
+              <a:ext uri="{FF2B5EF4-FFF2-40B4-BE49-F238E27FC236}">
+                <a16:creationId xmlns:a16="http://schemas.microsoft.com/office/drawing/2014/main" id="{A609D68C-9830-8C4D-951E-44C6A67FF001}"/>
+              </a:ext>
+            </a:extLst>
+          </p:cNvPr>
+          <p:cNvSpPr>
+            <a:spLocks noGrp="1"/>
+          </p:cNvSpPr>
+          <p:nvPr>
+            <p:ph type="ftr" sz="quarter" idx="11"/>
+          </p:nvPr>
+        </p:nvSpPr>
+        <p:spPr/>
+        <p:txBody>
+          <a:bodyPr/>
+          <a:lstStyle/>
+          <a:p>
+            <a:r>
+              <a:rPr lang="en-US"/>
+              <a:t>Flomesh © All Rights Reserved.</a:t>
+            </a:r>
+            <a:endParaRPr lang="en-US" dirty="0"/>
+          </a:p>
+        </p:txBody>
+      </p:sp>
+      <p:sp>
+        <p:nvSpPr>
+          <p:cNvPr id="3" name="Title 2">
+            <a:extLst>
+              <a:ext uri="{FF2B5EF4-FFF2-40B4-BE49-F238E27FC236}">
+                <a16:creationId xmlns:a16="http://schemas.microsoft.com/office/drawing/2014/main" id="{D6BFA2F5-12EC-7443-B1DB-AD47E87845FB}"/>
+              </a:ext>
+            </a:extLst>
+          </p:cNvPr>
+          <p:cNvSpPr>
+            <a:spLocks noGrp="1"/>
+          </p:cNvSpPr>
+          <p:nvPr>
+            <p:ph type="title"/>
+          </p:nvPr>
+        </p:nvSpPr>
+        <p:spPr/>
+        <p:txBody>
+          <a:bodyPr/>
+          <a:lstStyle/>
+          <a:p>
+            <a:r>
+              <a:rPr lang="en-CN" dirty="0"/>
+              <a:t>Check logs</a:t>
+            </a:r>
+          </a:p>
+        </p:txBody>
+      </p:sp>
+      <p:pic>
+        <p:nvPicPr>
+          <p:cNvPr id="8" name="Picture 7">
+            <a:extLst>
+              <a:ext uri="{FF2B5EF4-FFF2-40B4-BE49-F238E27FC236}">
+                <a16:creationId xmlns:a16="http://schemas.microsoft.com/office/drawing/2014/main" id="{CE568BC0-171E-1949-ADBF-B22A397166CF}"/>
+              </a:ext>
+            </a:extLst>
+          </p:cNvPr>
+          <p:cNvPicPr>
+            <a:picLocks noChangeAspect="1"/>
+          </p:cNvPicPr>
+          <p:nvPr/>
+        </p:nvPicPr>
+        <p:blipFill>
+          <a:blip r:embed="rId2"/>
+          <a:stretch>
+            <a:fillRect/>
+          </a:stretch>
+        </p:blipFill>
+        <p:spPr>
+          <a:xfrm>
+            <a:off x="2800350" y="1460500"/>
+            <a:ext cx="6591300" cy="3937000"/>
+          </a:xfrm>
+          <a:prstGeom prst="rect">
+            <a:avLst/>
+          </a:prstGeom>
+        </p:spPr>
+      </p:pic>
+    </p:spTree>
+    <p:extLst>
+      <p:ext uri="{BB962C8B-B14F-4D97-AF65-F5344CB8AC3E}">
+        <p14:creationId xmlns:p14="http://schemas.microsoft.com/office/powerpoint/2010/main" val="4043666357"/>
+      </p:ext>
+    </p:extLst>
+  </p:cSld>
+  <p:clrMapOvr>
+    <a:masterClrMapping/>
+  </p:clrMapOvr>
+</p:sld>
+</file>
+
+<file path=ppt/slides/slide26.xml><?xml version="1.0" encoding="utf-8"?>
+<p:sld xmlns:a="http://schemas.openxmlformats.org/drawingml/2006/main" xmlns:r="http://schemas.openxmlformats.org/officeDocument/2006/relationships" xmlns:p="http://schemas.openxmlformats.org/presentationml/2006/main">
+  <p:cSld>
+    <p:spTree>
+      <p:nvGrpSpPr>
+        <p:cNvPr id="1" name=""/>
+        <p:cNvGrpSpPr/>
+        <p:nvPr/>
+      </p:nvGrpSpPr>
+      <p:grpSpPr>
+        <a:xfrm>
+          <a:off x="0" y="0"/>
+          <a:ext cx="0" cy="0"/>
+          <a:chOff x="0" y="0"/>
+          <a:chExt cx="0" cy="0"/>
+        </a:xfrm>
+      </p:grpSpPr>
+      <p:sp>
+        <p:nvSpPr>
+          <p:cNvPr id="2" name="Footer Placeholder 1">
+            <a:extLst>
+              <a:ext uri="{FF2B5EF4-FFF2-40B4-BE49-F238E27FC236}">
+                <a16:creationId xmlns:a16="http://schemas.microsoft.com/office/drawing/2014/main" id="{8F4B34EC-0CFB-DD49-BAE2-AEBB2C48FCE5}"/>
+              </a:ext>
+            </a:extLst>
+          </p:cNvPr>
+          <p:cNvSpPr>
+            <a:spLocks noGrp="1"/>
+          </p:cNvSpPr>
+          <p:nvPr>
+            <p:ph type="ftr" sz="quarter" idx="11"/>
+          </p:nvPr>
+        </p:nvSpPr>
+        <p:spPr/>
+        <p:txBody>
+          <a:bodyPr/>
+          <a:lstStyle/>
+          <a:p>
+            <a:r>
+              <a:rPr lang="en-US"/>
+              <a:t>Flomesh © All Rights Reserved.</a:t>
+            </a:r>
+            <a:endParaRPr lang="en-US" dirty="0"/>
+          </a:p>
+        </p:txBody>
+      </p:sp>
+      <p:sp>
+        <p:nvSpPr>
+          <p:cNvPr id="3" name="Title 2">
+            <a:extLst>
+              <a:ext uri="{FF2B5EF4-FFF2-40B4-BE49-F238E27FC236}">
+                <a16:creationId xmlns:a16="http://schemas.microsoft.com/office/drawing/2014/main" id="{CE84D2E5-2200-6242-BB66-D5057ACDCB11}"/>
+              </a:ext>
+            </a:extLst>
+          </p:cNvPr>
+          <p:cNvSpPr>
+            <a:spLocks noGrp="1"/>
+          </p:cNvSpPr>
+          <p:nvPr>
+            <p:ph type="title"/>
+          </p:nvPr>
+        </p:nvSpPr>
+        <p:spPr/>
+        <p:txBody>
+          <a:bodyPr/>
+          <a:lstStyle/>
+          <a:p>
+            <a:r>
+              <a:rPr lang="en-CN" dirty="0"/>
+              <a:t>Visualize and analysis</a:t>
+            </a:r>
+          </a:p>
+        </p:txBody>
+      </p:sp>
+      <p:pic>
+        <p:nvPicPr>
+          <p:cNvPr id="5" name="Picture 4">
+            <a:extLst>
+              <a:ext uri="{FF2B5EF4-FFF2-40B4-BE49-F238E27FC236}">
+                <a16:creationId xmlns:a16="http://schemas.microsoft.com/office/drawing/2014/main" id="{9C016B92-8E12-4D46-9FF7-360F3D1D07CD}"/>
+              </a:ext>
+            </a:extLst>
+          </p:cNvPr>
+          <p:cNvPicPr>
+            <a:picLocks noChangeAspect="1"/>
+          </p:cNvPicPr>
+          <p:nvPr/>
+        </p:nvPicPr>
+        <p:blipFill>
+          <a:blip r:embed="rId2"/>
+          <a:stretch>
+            <a:fillRect/>
+          </a:stretch>
+        </p:blipFill>
+        <p:spPr>
+          <a:xfrm>
+            <a:off x="1235912" y="1138742"/>
+            <a:ext cx="9720175" cy="5135078"/>
+          </a:xfrm>
+          <a:prstGeom prst="rect">
+            <a:avLst/>
+          </a:prstGeom>
+        </p:spPr>
+      </p:pic>
+    </p:spTree>
+    <p:extLst>
+      <p:ext uri="{BB962C8B-B14F-4D97-AF65-F5344CB8AC3E}">
+        <p14:creationId xmlns:p14="http://schemas.microsoft.com/office/powerpoint/2010/main" val="4224569988"/>
+      </p:ext>
+    </p:extLst>
+  </p:cSld>
+  <p:clrMapOvr>
+    <a:masterClrMapping/>
+  </p:clrMapOvr>
+</p:sld>
+</file>
+
+<file path=ppt/slides/slide27.xml><?xml version="1.0" encoding="utf-8"?>
+<p:sld xmlns:a="http://schemas.openxmlformats.org/drawingml/2006/main" xmlns:r="http://schemas.openxmlformats.org/officeDocument/2006/relationships" xmlns:p="http://schemas.openxmlformats.org/presentationml/2006/main">
+  <p:cSld>
+    <p:spTree>
+      <p:nvGrpSpPr>
+        <p:cNvPr id="1" name=""/>
+        <p:cNvGrpSpPr/>
+        <p:nvPr/>
+      </p:nvGrpSpPr>
+      <p:grpSpPr>
+        <a:xfrm>
+          <a:off x="0" y="0"/>
+          <a:ext cx="0" cy="0"/>
+          <a:chOff x="0" y="0"/>
+          <a:chExt cx="0" cy="0"/>
+        </a:xfrm>
+      </p:grpSpPr>
       <p:grpSp>
         <p:nvGrpSpPr>
           <p:cNvPr id="2" name="Group 1">
@@ -11321,7 +12452,7 @@
 </p:sld>
 </file>
 
-<file path=ppt/slides/slide21.xml><?xml version="1.0" encoding="utf-8"?>
+<file path=ppt/slides/slide28.xml><?xml version="1.0" encoding="utf-8"?>
 <p:sld xmlns:a="http://schemas.openxmlformats.org/drawingml/2006/main" xmlns:r="http://schemas.openxmlformats.org/officeDocument/2006/relationships" xmlns:p="http://schemas.openxmlformats.org/presentationml/2006/main" show="0">
   <p:cSld>
     <p:spTree>
